--- a/Session 3/Softdev Session 3 2016.pptx
+++ b/Session 3/Softdev Session 3 2016.pptx
@@ -7,20 +7,22 @@
   <p:sldIdLst>
     <p:sldId id="256" r:id="rId2"/>
     <p:sldId id="309" r:id="rId3"/>
-    <p:sldId id="311" r:id="rId4"/>
-    <p:sldId id="313" r:id="rId5"/>
-    <p:sldId id="312" r:id="rId6"/>
-    <p:sldId id="314" r:id="rId7"/>
-    <p:sldId id="315" r:id="rId8"/>
-    <p:sldId id="316" r:id="rId9"/>
-    <p:sldId id="318" r:id="rId10"/>
-    <p:sldId id="319" r:id="rId11"/>
-    <p:sldId id="320" r:id="rId12"/>
-    <p:sldId id="317" r:id="rId13"/>
-    <p:sldId id="310" r:id="rId14"/>
-    <p:sldId id="307" r:id="rId15"/>
-    <p:sldId id="308" r:id="rId16"/>
-    <p:sldId id="285" r:id="rId17"/>
+    <p:sldId id="321" r:id="rId4"/>
+    <p:sldId id="322" r:id="rId5"/>
+    <p:sldId id="311" r:id="rId6"/>
+    <p:sldId id="313" r:id="rId7"/>
+    <p:sldId id="312" r:id="rId8"/>
+    <p:sldId id="314" r:id="rId9"/>
+    <p:sldId id="315" r:id="rId10"/>
+    <p:sldId id="316" r:id="rId11"/>
+    <p:sldId id="318" r:id="rId12"/>
+    <p:sldId id="319" r:id="rId13"/>
+    <p:sldId id="320" r:id="rId14"/>
+    <p:sldId id="317" r:id="rId15"/>
+    <p:sldId id="310" r:id="rId16"/>
+    <p:sldId id="307" r:id="rId17"/>
+    <p:sldId id="308" r:id="rId18"/>
+    <p:sldId id="285" r:id="rId19"/>
   </p:sldIdLst>
   <p:sldSz cx="12192000" cy="6858000"/>
   <p:notesSz cx="6858000" cy="9144000"/>
@@ -121,7 +123,7 @@
   </p:defaultTextStyle>
   <p:extLst>
     <p:ext uri="{EFAFB233-063F-42B5-8137-9DF3F51BA10A}">
-      <p15:sldGuideLst xmlns:p15="http://schemas.microsoft.com/office/powerpoint/2012/main">
+      <p15:sldGuideLst xmlns:p15="http://schemas.microsoft.com/office/powerpoint/2012/main" xmlns="">
         <p15:guide id="1" orient="horz" pos="2160">
           <p15:clr>
             <a:srgbClr val="A4A3A4"/>
@@ -324,7 +326,7 @@
           <a:p>
             <a:fld id="{FBDF5932-50BA-4683-BD71-901965AADFF2}" type="datetimeFigureOut">
               <a:rPr lang="en-ZA" smtClean="0"/>
-              <a:t>2016/12/06</a:t>
+              <a:t>2016-12-06</a:t>
             </a:fld>
             <a:endParaRPr lang="en-ZA"/>
           </a:p>
@@ -599,7 +601,7 @@
           <a:p>
             <a:fld id="{FBDF5932-50BA-4683-BD71-901965AADFF2}" type="datetimeFigureOut">
               <a:rPr lang="en-ZA" smtClean="0"/>
-              <a:t>2016/12/06</a:t>
+              <a:t>2016-12-06</a:t>
             </a:fld>
             <a:endParaRPr lang="en-ZA"/>
           </a:p>
@@ -793,7 +795,7 @@
           <a:p>
             <a:fld id="{FBDF5932-50BA-4683-BD71-901965AADFF2}" type="datetimeFigureOut">
               <a:rPr lang="en-ZA" smtClean="0"/>
-              <a:t>2016/12/06</a:t>
+              <a:t>2016-12-06</a:t>
             </a:fld>
             <a:endParaRPr lang="en-ZA"/>
           </a:p>
@@ -1064,7 +1066,7 @@
           <a:p>
             <a:fld id="{FBDF5932-50BA-4683-BD71-901965AADFF2}" type="datetimeFigureOut">
               <a:rPr lang="en-ZA" smtClean="0"/>
-              <a:t>2016/12/06</a:t>
+              <a:t>2016-12-06</a:t>
             </a:fld>
             <a:endParaRPr lang="en-ZA"/>
           </a:p>
@@ -1391,7 +1393,7 @@
           <a:p>
             <a:fld id="{FBDF5932-50BA-4683-BD71-901965AADFF2}" type="datetimeFigureOut">
               <a:rPr lang="en-ZA" smtClean="0"/>
-              <a:t>2016/12/06</a:t>
+              <a:t>2016-12-06</a:t>
             </a:fld>
             <a:endParaRPr lang="en-ZA"/>
           </a:p>
@@ -2010,7 +2012,7 @@
           <a:p>
             <a:fld id="{FBDF5932-50BA-4683-BD71-901965AADFF2}" type="datetimeFigureOut">
               <a:rPr lang="en-ZA" smtClean="0"/>
-              <a:t>2016/12/06</a:t>
+              <a:t>2016-12-06</a:t>
             </a:fld>
             <a:endParaRPr lang="en-ZA"/>
           </a:p>
@@ -2857,7 +2859,7 @@
           <a:p>
             <a:fld id="{FBDF5932-50BA-4683-BD71-901965AADFF2}" type="datetimeFigureOut">
               <a:rPr lang="en-ZA" smtClean="0"/>
-              <a:t>2016/12/06</a:t>
+              <a:t>2016-12-06</a:t>
             </a:fld>
             <a:endParaRPr lang="en-ZA"/>
           </a:p>
@@ -3027,7 +3029,7 @@
           <a:p>
             <a:fld id="{FBDF5932-50BA-4683-BD71-901965AADFF2}" type="datetimeFigureOut">
               <a:rPr lang="en-ZA" smtClean="0"/>
-              <a:t>2016/12/06</a:t>
+              <a:t>2016-12-06</a:t>
             </a:fld>
             <a:endParaRPr lang="en-ZA"/>
           </a:p>
@@ -3207,7 +3209,7 @@
           <a:p>
             <a:fld id="{FBDF5932-50BA-4683-BD71-901965AADFF2}" type="datetimeFigureOut">
               <a:rPr lang="en-ZA" smtClean="0"/>
-              <a:t>2016/12/06</a:t>
+              <a:t>2016-12-06</a:t>
             </a:fld>
             <a:endParaRPr lang="en-ZA"/>
           </a:p>
@@ -3377,7 +3379,7 @@
           <a:p>
             <a:fld id="{FBDF5932-50BA-4683-BD71-901965AADFF2}" type="datetimeFigureOut">
               <a:rPr lang="en-ZA" smtClean="0"/>
-              <a:t>2016/12/06</a:t>
+              <a:t>2016-12-06</a:t>
             </a:fld>
             <a:endParaRPr lang="en-ZA"/>
           </a:p>
@@ -3624,7 +3626,7 @@
           <a:p>
             <a:fld id="{FBDF5932-50BA-4683-BD71-901965AADFF2}" type="datetimeFigureOut">
               <a:rPr lang="en-ZA" smtClean="0"/>
-              <a:t>2016/12/06</a:t>
+              <a:t>2016-12-06</a:t>
             </a:fld>
             <a:endParaRPr lang="en-ZA"/>
           </a:p>
@@ -3916,7 +3918,7 @@
           <a:p>
             <a:fld id="{FBDF5932-50BA-4683-BD71-901965AADFF2}" type="datetimeFigureOut">
               <a:rPr lang="en-ZA" smtClean="0"/>
-              <a:t>2016/12/06</a:t>
+              <a:t>2016-12-06</a:t>
             </a:fld>
             <a:endParaRPr lang="en-ZA"/>
           </a:p>
@@ -4360,7 +4362,7 @@
           <a:p>
             <a:fld id="{FBDF5932-50BA-4683-BD71-901965AADFF2}" type="datetimeFigureOut">
               <a:rPr lang="en-ZA" smtClean="0"/>
-              <a:t>2016/12/06</a:t>
+              <a:t>2016-12-06</a:t>
             </a:fld>
             <a:endParaRPr lang="en-ZA"/>
           </a:p>
@@ -4478,7 +4480,7 @@
           <a:p>
             <a:fld id="{FBDF5932-50BA-4683-BD71-901965AADFF2}" type="datetimeFigureOut">
               <a:rPr lang="en-ZA" smtClean="0"/>
-              <a:t>2016/12/06</a:t>
+              <a:t>2016-12-06</a:t>
             </a:fld>
             <a:endParaRPr lang="en-ZA"/>
           </a:p>
@@ -4573,7 +4575,7 @@
           <a:p>
             <a:fld id="{FBDF5932-50BA-4683-BD71-901965AADFF2}" type="datetimeFigureOut">
               <a:rPr lang="en-ZA" smtClean="0"/>
-              <a:t>2016/12/06</a:t>
+              <a:t>2016-12-06</a:t>
             </a:fld>
             <a:endParaRPr lang="en-ZA"/>
           </a:p>
@@ -4852,7 +4854,7 @@
           <a:p>
             <a:fld id="{FBDF5932-50BA-4683-BD71-901965AADFF2}" type="datetimeFigureOut">
               <a:rPr lang="en-ZA" smtClean="0"/>
-              <a:t>2016/12/06</a:t>
+              <a:t>2016-12-06</a:t>
             </a:fld>
             <a:endParaRPr lang="en-ZA"/>
           </a:p>
@@ -5127,7 +5129,7 @@
           <a:p>
             <a:fld id="{FBDF5932-50BA-4683-BD71-901965AADFF2}" type="datetimeFigureOut">
               <a:rPr lang="en-ZA" smtClean="0"/>
-              <a:t>2016/12/06</a:t>
+              <a:t>2016-12-06</a:t>
             </a:fld>
             <a:endParaRPr lang="en-ZA"/>
           </a:p>
@@ -5550,7 +5552,7 @@
           <a:p>
             <a:fld id="{FBDF5932-50BA-4683-BD71-901965AADFF2}" type="datetimeFigureOut">
               <a:rPr lang="en-ZA" smtClean="0"/>
-              <a:t>2016/12/06</a:t>
+              <a:t>2016-12-06</a:t>
             </a:fld>
             <a:endParaRPr lang="en-ZA"/>
           </a:p>
@@ -6215,6 +6217,298 @@
       </p:grpSpPr>
       <p:sp>
         <p:nvSpPr>
+          <p:cNvPr id="2" name="Title 1"/>
+          <p:cNvSpPr>
+            <a:spLocks noGrp="1"/>
+          </p:cNvSpPr>
+          <p:nvPr>
+            <p:ph type="title"/>
+          </p:nvPr>
+        </p:nvSpPr>
+        <p:spPr/>
+        <p:txBody>
+          <a:bodyPr/>
+          <a:lstStyle/>
+          <a:p>
+            <a:r>
+              <a:rPr lang="en-ZA" dirty="0" smtClean="0"/>
+              <a:t>Some hints with </a:t>
+            </a:r>
+            <a:r>
+              <a:rPr lang="en-ZA" dirty="0" err="1" smtClean="0"/>
+              <a:t>MongoDb</a:t>
+            </a:r>
+            <a:endParaRPr lang="en-ZA" dirty="0"/>
+          </a:p>
+        </p:txBody>
+      </p:sp>
+      <p:sp>
+        <p:nvSpPr>
+          <p:cNvPr id="3" name="Content Placeholder 2"/>
+          <p:cNvSpPr>
+            <a:spLocks noGrp="1"/>
+          </p:cNvSpPr>
+          <p:nvPr>
+            <p:ph idx="1"/>
+          </p:nvPr>
+        </p:nvSpPr>
+        <p:spPr/>
+        <p:txBody>
+          <a:bodyPr/>
+          <a:lstStyle/>
+          <a:p>
+            <a:r>
+              <a:rPr lang="en-ZA" dirty="0" smtClean="0"/>
+              <a:t>An id search</a:t>
+            </a:r>
+          </a:p>
+          <a:p>
+            <a:pPr lvl="1"/>
+            <a:r>
+              <a:rPr lang="en-ZA" dirty="0" smtClean="0"/>
+              <a:t>{ _</a:t>
+            </a:r>
+            <a:r>
+              <a:rPr lang="en-ZA" dirty="0"/>
+              <a:t>id: </a:t>
+            </a:r>
+            <a:r>
+              <a:rPr lang="en-ZA" dirty="0" err="1" smtClean="0"/>
+              <a:t>bookId</a:t>
+            </a:r>
+            <a:r>
+              <a:rPr lang="en-ZA" dirty="0" smtClean="0"/>
+              <a:t> }</a:t>
+            </a:r>
+          </a:p>
+          <a:p>
+            <a:r>
+              <a:rPr lang="en-ZA" dirty="0" smtClean="0"/>
+              <a:t>find VS </a:t>
+            </a:r>
+            <a:r>
+              <a:rPr lang="en-ZA" dirty="0" err="1" smtClean="0"/>
+              <a:t>findOne</a:t>
+            </a:r>
+            <a:endParaRPr lang="en-ZA" dirty="0" smtClean="0"/>
+          </a:p>
+          <a:p>
+            <a:r>
+              <a:rPr lang="en-ZA" dirty="0" smtClean="0"/>
+              <a:t>$or and $and</a:t>
+            </a:r>
+          </a:p>
+          <a:p>
+            <a:pPr lvl="1"/>
+            <a:r>
+              <a:rPr lang="en-ZA" dirty="0" smtClean="0"/>
+              <a:t>Array of search parameter objects.</a:t>
+            </a:r>
+          </a:p>
+          <a:p>
+            <a:r>
+              <a:rPr lang="en-ZA" dirty="0" smtClean="0"/>
+              <a:t>Mongoose update</a:t>
+            </a:r>
+          </a:p>
+          <a:p>
+            <a:pPr lvl="1"/>
+            <a:r>
+              <a:rPr lang="en-ZA" dirty="0" smtClean="0"/>
+              <a:t>Do a find</a:t>
+            </a:r>
+          </a:p>
+          <a:p>
+            <a:pPr lvl="1"/>
+            <a:r>
+              <a:rPr lang="en-ZA" dirty="0" smtClean="0"/>
+              <a:t>Inside update the required methods</a:t>
+            </a:r>
+          </a:p>
+          <a:p>
+            <a:pPr lvl="1"/>
+            <a:r>
+              <a:rPr lang="en-ZA" dirty="0" err="1"/>
+              <a:t>user.save</a:t>
+            </a:r>
+            <a:r>
+              <a:rPr lang="en-ZA" dirty="0"/>
+              <a:t>();</a:t>
+            </a:r>
+          </a:p>
+        </p:txBody>
+      </p:sp>
+    </p:spTree>
+    <p:extLst>
+      <p:ext uri="{BB962C8B-B14F-4D97-AF65-F5344CB8AC3E}">
+        <p14:creationId xmlns:p14="http://schemas.microsoft.com/office/powerpoint/2010/main" val="3555921464"/>
+      </p:ext>
+    </p:extLst>
+  </p:cSld>
+  <p:clrMapOvr>
+    <a:masterClrMapping/>
+  </p:clrMapOvr>
+</p:sld>
+</file>
+
+<file path=ppt/slides/slide11.xml><?xml version="1.0" encoding="utf-8"?>
+<p:sld xmlns:a="http://schemas.openxmlformats.org/drawingml/2006/main" xmlns:r="http://schemas.openxmlformats.org/officeDocument/2006/relationships" xmlns:p="http://schemas.openxmlformats.org/presentationml/2006/main">
+  <p:cSld>
+    <p:spTree>
+      <p:nvGrpSpPr>
+        <p:cNvPr id="1" name=""/>
+        <p:cNvGrpSpPr/>
+        <p:nvPr/>
+      </p:nvGrpSpPr>
+      <p:grpSpPr>
+        <a:xfrm>
+          <a:off x="0" y="0"/>
+          <a:ext cx="0" cy="0"/>
+          <a:chOff x="0" y="0"/>
+          <a:chExt cx="0" cy="0"/>
+        </a:xfrm>
+      </p:grpSpPr>
+      <p:sp>
+        <p:nvSpPr>
+          <p:cNvPr id="2" name="Title 1"/>
+          <p:cNvSpPr>
+            <a:spLocks noGrp="1"/>
+          </p:cNvSpPr>
+          <p:nvPr>
+            <p:ph type="title"/>
+          </p:nvPr>
+        </p:nvSpPr>
+        <p:spPr/>
+        <p:txBody>
+          <a:bodyPr/>
+          <a:lstStyle/>
+          <a:p>
+            <a:r>
+              <a:rPr lang="en-ZA" dirty="0" smtClean="0"/>
+              <a:t>Task runners / build systems</a:t>
+            </a:r>
+            <a:endParaRPr lang="en-ZA" dirty="0"/>
+          </a:p>
+        </p:txBody>
+      </p:sp>
+      <p:sp>
+        <p:nvSpPr>
+          <p:cNvPr id="3" name="Content Placeholder 2"/>
+          <p:cNvSpPr>
+            <a:spLocks noGrp="1"/>
+          </p:cNvSpPr>
+          <p:nvPr>
+            <p:ph idx="1"/>
+          </p:nvPr>
+        </p:nvSpPr>
+        <p:spPr/>
+        <p:txBody>
+          <a:bodyPr/>
+          <a:lstStyle/>
+          <a:p>
+            <a:r>
+              <a:rPr lang="en-ZA" dirty="0" err="1" smtClean="0"/>
+              <a:t>npm</a:t>
+            </a:r>
+            <a:endParaRPr lang="en-ZA" dirty="0" smtClean="0"/>
+          </a:p>
+          <a:p>
+            <a:r>
+              <a:rPr lang="en-ZA" dirty="0" smtClean="0"/>
+              <a:t>Gulp</a:t>
+            </a:r>
+          </a:p>
+          <a:p>
+            <a:pPr lvl="1"/>
+            <a:r>
+              <a:rPr lang="en-ZA" dirty="0">
+                <a:hlinkClick r:id="rId2"/>
+              </a:rPr>
+              <a:t>http://gulpjs.com</a:t>
+            </a:r>
+            <a:r>
+              <a:rPr lang="en-ZA" dirty="0" smtClean="0">
+                <a:hlinkClick r:id="rId2"/>
+              </a:rPr>
+              <a:t>/</a:t>
+            </a:r>
+            <a:endParaRPr lang="en-ZA" dirty="0" smtClean="0"/>
+          </a:p>
+          <a:p>
+            <a:r>
+              <a:rPr lang="en-ZA" dirty="0" smtClean="0"/>
+              <a:t>Grunt</a:t>
+            </a:r>
+          </a:p>
+          <a:p>
+            <a:pPr lvl="1"/>
+            <a:r>
+              <a:rPr lang="en-ZA" dirty="0">
+                <a:hlinkClick r:id="rId3"/>
+              </a:rPr>
+              <a:t>http://gruntjs.com</a:t>
+            </a:r>
+            <a:r>
+              <a:rPr lang="en-ZA" dirty="0" smtClean="0">
+                <a:hlinkClick r:id="rId3"/>
+              </a:rPr>
+              <a:t>/</a:t>
+            </a:r>
+            <a:endParaRPr lang="en-ZA" dirty="0" smtClean="0"/>
+          </a:p>
+          <a:p>
+            <a:r>
+              <a:rPr lang="en-ZA" dirty="0" smtClean="0"/>
+              <a:t>Makes it easier to chain tasks together</a:t>
+            </a:r>
+          </a:p>
+          <a:p>
+            <a:r>
+              <a:rPr lang="en-ZA" dirty="0" smtClean="0"/>
+              <a:t>Deployment scripts</a:t>
+            </a:r>
+          </a:p>
+          <a:p>
+            <a:r>
+              <a:rPr lang="en-ZA" dirty="0" smtClean="0"/>
+              <a:t>Development scripts</a:t>
+            </a:r>
+            <a:endParaRPr lang="en-ZA" dirty="0"/>
+          </a:p>
+        </p:txBody>
+      </p:sp>
+    </p:spTree>
+    <p:extLst>
+      <p:ext uri="{BB962C8B-B14F-4D97-AF65-F5344CB8AC3E}">
+        <p14:creationId xmlns:p14="http://schemas.microsoft.com/office/powerpoint/2010/main" val="2352922666"/>
+      </p:ext>
+    </p:extLst>
+  </p:cSld>
+  <p:clrMapOvr>
+    <a:masterClrMapping/>
+  </p:clrMapOvr>
+</p:sld>
+</file>
+
+<file path=ppt/slides/slide12.xml><?xml version="1.0" encoding="utf-8"?>
+<p:sld xmlns:a="http://schemas.openxmlformats.org/drawingml/2006/main" xmlns:r="http://schemas.openxmlformats.org/officeDocument/2006/relationships" xmlns:p="http://schemas.openxmlformats.org/presentationml/2006/main">
+  <p:cSld>
+    <p:spTree>
+      <p:nvGrpSpPr>
+        <p:cNvPr id="1" name=""/>
+        <p:cNvGrpSpPr/>
+        <p:nvPr/>
+      </p:nvGrpSpPr>
+      <p:grpSpPr>
+        <a:xfrm>
+          <a:off x="0" y="0"/>
+          <a:ext cx="0" cy="0"/>
+          <a:chOff x="0" y="0"/>
+          <a:chExt cx="0" cy="0"/>
+        </a:xfrm>
+      </p:grpSpPr>
+      <p:sp>
+        <p:nvSpPr>
           <p:cNvPr id="4" name="Rectangle 3"/>
           <p:cNvSpPr/>
           <p:nvPr/>
@@ -6942,7 +7236,7 @@
 </p:sld>
 </file>
 
-<file path=ppt/slides/slide11.xml><?xml version="1.0" encoding="utf-8"?>
+<file path=ppt/slides/slide13.xml><?xml version="1.0" encoding="utf-8"?>
 <p:sld xmlns:a="http://schemas.openxmlformats.org/drawingml/2006/main" xmlns:r="http://schemas.openxmlformats.org/officeDocument/2006/relationships" xmlns:p="http://schemas.openxmlformats.org/presentationml/2006/main">
   <p:cSld>
     <p:spTree>
@@ -7044,7 +7338,7 @@
 </p:sld>
 </file>
 
-<file path=ppt/slides/slide12.xml><?xml version="1.0" encoding="utf-8"?>
+<file path=ppt/slides/slide14.xml><?xml version="1.0" encoding="utf-8"?>
 <p:sld xmlns:a="http://schemas.openxmlformats.org/drawingml/2006/main" xmlns:r="http://schemas.openxmlformats.org/officeDocument/2006/relationships" xmlns:p="http://schemas.openxmlformats.org/presentationml/2006/main">
   <p:cSld>
     <p:spTree>
@@ -7199,7 +7493,7 @@
 </p:sld>
 </file>
 
-<file path=ppt/slides/slide13.xml><?xml version="1.0" encoding="utf-8"?>
+<file path=ppt/slides/slide15.xml><?xml version="1.0" encoding="utf-8"?>
 <p:sld xmlns:a="http://schemas.openxmlformats.org/drawingml/2006/main" xmlns:r="http://schemas.openxmlformats.org/officeDocument/2006/relationships" xmlns:p="http://schemas.openxmlformats.org/presentationml/2006/main">
   <p:cSld>
     <p:spTree>
@@ -8201,7 +8495,7 @@
 </p:sld>
 </file>
 
-<file path=ppt/slides/slide14.xml><?xml version="1.0" encoding="utf-8"?>
+<file path=ppt/slides/slide16.xml><?xml version="1.0" encoding="utf-8"?>
 <p:sld xmlns:a="http://schemas.openxmlformats.org/drawingml/2006/main" xmlns:r="http://schemas.openxmlformats.org/officeDocument/2006/relationships" xmlns:p="http://schemas.openxmlformats.org/presentationml/2006/main">
   <p:cSld>
     <p:spTree>
@@ -8281,20 +8575,11 @@
               <a:rPr lang="en-US" dirty="0" smtClean="0"/>
               <a:t> database.</a:t>
             </a:r>
-            <a:endParaRPr lang="en-US" dirty="0" smtClean="0"/>
           </a:p>
           <a:p>
             <a:r>
               <a:rPr lang="en-US" dirty="0" smtClean="0"/>
-              <a:t>The program must then print the files in </a:t>
-            </a:r>
-            <a:r>
-              <a:rPr lang="en-US" dirty="0" smtClean="0"/>
-              <a:t>the database to </a:t>
-            </a:r>
-            <a:r>
-              <a:rPr lang="en-US" dirty="0" smtClean="0"/>
-              <a:t>the console.</a:t>
+              <a:t>The program must then print the files in the database to the console.</a:t>
             </a:r>
             <a:endParaRPr lang="en-ZA" dirty="0" smtClean="0"/>
           </a:p>
@@ -8355,7 +8640,7 @@
 </p:sld>
 </file>
 
-<file path=ppt/slides/slide15.xml><?xml version="1.0" encoding="utf-8"?>
+<file path=ppt/slides/slide17.xml><?xml version="1.0" encoding="utf-8"?>
 <p:sld xmlns:a="http://schemas.openxmlformats.org/drawingml/2006/main" xmlns:r="http://schemas.openxmlformats.org/officeDocument/2006/relationships" xmlns:p="http://schemas.openxmlformats.org/presentationml/2006/main">
   <p:cSld>
     <p:spTree>
@@ -8463,7 +8748,7 @@
 </p:sld>
 </file>
 
-<file path=ppt/slides/slide16.xml><?xml version="1.0" encoding="utf-8"?>
+<file path=ppt/slides/slide18.xml><?xml version="1.0" encoding="utf-8"?>
 <p:sld xmlns:a="http://schemas.openxmlformats.org/drawingml/2006/main" xmlns:r="http://schemas.openxmlformats.org/officeDocument/2006/relationships" xmlns:p="http://schemas.openxmlformats.org/presentationml/2006/main">
   <p:cSld>
     <p:spTree>
@@ -8746,24 +9031,15 @@
             <p:ph type="title"/>
           </p:nvPr>
         </p:nvSpPr>
-        <p:spPr>
-          <a:xfrm>
-            <a:off x="646111" y="452718"/>
-            <a:ext cx="9695624" cy="1400530"/>
-          </a:xfrm>
-        </p:spPr>
+        <p:spPr/>
         <p:txBody>
           <a:bodyPr/>
           <a:lstStyle/>
           <a:p>
             <a:r>
-              <a:rPr lang="en-ZA" dirty="0" err="1" smtClean="0"/>
+              <a:rPr lang="en-US" dirty="0" err="1" smtClean="0"/>
               <a:t>MongoDb</a:t>
             </a:r>
-            <a:r>
-              <a:rPr lang="en-ZA" dirty="0" smtClean="0"/>
-              <a:t> connection with Node JS</a:t>
-            </a:r>
             <a:endParaRPr lang="en-ZA" dirty="0"/>
           </a:p>
         </p:txBody>
@@ -8784,37 +9060,26 @@
           <a:lstStyle/>
           <a:p>
             <a:r>
-              <a:rPr lang="en-ZA" dirty="0" smtClean="0"/>
-              <a:t>There are many different ‘connectors’ or drivers</a:t>
-            </a:r>
-          </a:p>
-          <a:p>
-            <a:r>
-              <a:rPr lang="en-ZA" dirty="0" smtClean="0"/>
-              <a:t>We will look at two</a:t>
-            </a:r>
-          </a:p>
-          <a:p>
-            <a:pPr lvl="1"/>
-            <a:r>
-              <a:rPr lang="en-ZA" dirty="0" smtClean="0"/>
-              <a:t>The standard </a:t>
-            </a:r>
-            <a:r>
-              <a:rPr lang="en-ZA" dirty="0" err="1" smtClean="0"/>
-              <a:t>MongoDb</a:t>
-            </a:r>
-            <a:r>
-              <a:rPr lang="en-ZA" dirty="0" smtClean="0"/>
-              <a:t> connector</a:t>
-            </a:r>
-          </a:p>
-          <a:p>
-            <a:pPr lvl="1"/>
-            <a:r>
-              <a:rPr lang="en-ZA" dirty="0" smtClean="0"/>
-              <a:t>Mongoose</a:t>
-            </a:r>
+              <a:rPr lang="en-US" dirty="0" smtClean="0"/>
+              <a:t>Document Based system</a:t>
+            </a:r>
+          </a:p>
+          <a:p>
+            <a:r>
+              <a:rPr lang="en-US" dirty="0" smtClean="0"/>
+              <a:t>Non-relational but can still simulate relations for use-cases such as user accounts</a:t>
+            </a:r>
+          </a:p>
+          <a:p>
+            <a:endParaRPr lang="en-US" dirty="0"/>
+          </a:p>
+          <a:p>
+            <a:r>
+              <a:rPr lang="en-US" dirty="0" smtClean="0"/>
+              <a:t>Database =&gt; Collections =&gt; documents</a:t>
+            </a:r>
+          </a:p>
+          <a:p>
             <a:endParaRPr lang="en-ZA" dirty="0"/>
           </a:p>
         </p:txBody>
@@ -8822,7 +9087,7 @@
     </p:spTree>
     <p:extLst>
       <p:ext uri="{BB962C8B-B14F-4D97-AF65-F5344CB8AC3E}">
-        <p14:creationId xmlns:p14="http://schemas.microsoft.com/office/powerpoint/2010/main" val="1712933103"/>
+        <p14:creationId xmlns:p14="http://schemas.microsoft.com/office/powerpoint/2010/main" val="902705386"/>
       </p:ext>
     </p:extLst>
   </p:cSld>
@@ -8865,12 +9130,8 @@
           <a:lstStyle/>
           <a:p>
             <a:r>
-              <a:rPr lang="en-ZA" dirty="0" smtClean="0"/>
-              <a:t>Connecting to </a:t>
-            </a:r>
-            <a:r>
-              <a:rPr lang="en-ZA" dirty="0" err="1" smtClean="0"/>
-              <a:t>MongoDb</a:t>
+              <a:rPr lang="en-US" dirty="0" smtClean="0"/>
+              <a:t>Software</a:t>
             </a:r>
             <a:endParaRPr lang="en-ZA" dirty="0"/>
           </a:p>
@@ -8892,106 +9153,49 @@
           <a:lstStyle/>
           <a:p>
             <a:r>
-              <a:rPr lang="en-ZA" dirty="0"/>
-              <a:t>Both use similar syntax</a:t>
-            </a:r>
-          </a:p>
-          <a:p>
-            <a:r>
-              <a:rPr lang="en-ZA" dirty="0"/>
-              <a:t>We will only cover </a:t>
-            </a:r>
-            <a:r>
-              <a:rPr lang="en-ZA" dirty="0" err="1"/>
-              <a:t>callback</a:t>
-            </a:r>
-            <a:r>
-              <a:rPr lang="en-ZA" dirty="0"/>
-              <a:t> syntax in this session as next session is about different code patterns in JavaScript</a:t>
-            </a:r>
-          </a:p>
-          <a:p>
-            <a:r>
-              <a:rPr lang="en-ZA" dirty="0"/>
-              <a:t>Both also use a similar </a:t>
-            </a:r>
-            <a:r>
-              <a:rPr lang="en-ZA" dirty="0" err="1"/>
-              <a:t>mongodb</a:t>
-            </a:r>
-            <a:r>
-              <a:rPr lang="en-ZA" dirty="0"/>
-              <a:t> connection </a:t>
-            </a:r>
-            <a:r>
-              <a:rPr lang="en-ZA" dirty="0" smtClean="0"/>
-              <a:t>string</a:t>
-            </a:r>
-          </a:p>
-          <a:p>
-            <a:pPr lvl="1"/>
-            <a:r>
-              <a:rPr lang="en-ZA" dirty="0" smtClean="0"/>
-              <a:t>A </a:t>
-            </a:r>
-            <a:r>
-              <a:rPr lang="en-ZA" dirty="0" err="1" smtClean="0"/>
-              <a:t>url</a:t>
-            </a:r>
-            <a:r>
-              <a:rPr lang="en-ZA" dirty="0" smtClean="0"/>
-              <a:t> to connect to the specific database</a:t>
-            </a:r>
-          </a:p>
-          <a:p>
-            <a:pPr lvl="1"/>
-            <a:r>
-              <a:rPr lang="en-ZA" dirty="0"/>
-              <a:t>E.g. "</a:t>
-            </a:r>
-            <a:r>
-              <a:rPr lang="en-ZA" dirty="0" err="1"/>
-              <a:t>mongodb</a:t>
-            </a:r>
-            <a:r>
-              <a:rPr lang="en-ZA" dirty="0"/>
+              <a:rPr lang="en-ZA" dirty="0">
+                <a:hlinkClick r:id="rId2"/>
+              </a:rPr>
+              <a:t>https://</a:t>
+            </a:r>
+            <a:r>
+              <a:rPr lang="en-ZA" dirty="0" smtClean="0">
+                <a:hlinkClick r:id="rId2"/>
+              </a:rPr>
+              <a:t>www.mongodb.com/download-center?jmp=homepage#community</a:t>
+            </a:r>
+            <a:endParaRPr lang="en-ZA" dirty="0" smtClean="0"/>
+          </a:p>
+          <a:p>
+            <a:r>
+              <a:rPr lang="en-ZA">
+                <a:hlinkClick r:id="rId3"/>
+              </a:rPr>
+              <a:t>https</a:t>
+            </a:r>
+            <a:r>
+              <a:rPr lang="en-ZA">
+                <a:hlinkClick r:id="rId3"/>
+              </a:rPr>
               <a:t>://</a:t>
             </a:r>
             <a:r>
-              <a:rPr lang="en-ZA" dirty="0" err="1"/>
-              <a:t>localhost</a:t>
-            </a:r>
-            <a:r>
-              <a:rPr lang="en-ZA" dirty="0"/>
-              <a:t>/</a:t>
-            </a:r>
-            <a:r>
-              <a:rPr lang="en-ZA" dirty="0" err="1"/>
-              <a:t>exampleDb</a:t>
-            </a:r>
-            <a:r>
-              <a:rPr lang="en-ZA" dirty="0"/>
-              <a:t>"</a:t>
-            </a:r>
-          </a:p>
-          <a:p>
-            <a:r>
-              <a:rPr lang="en-ZA" dirty="0" smtClean="0"/>
-              <a:t>Other options such as username and password can also be added</a:t>
-            </a:r>
-          </a:p>
-          <a:p>
-            <a:r>
-              <a:rPr lang="en-ZA" dirty="0"/>
-              <a:t>See documentation: https://mongodb.github.io/node-mongodb-native/api-generated/mongoclient.html</a:t>
-            </a:r>
+              <a:rPr lang="en-ZA" smtClean="0">
+                <a:hlinkClick r:id="rId3"/>
+              </a:rPr>
+              <a:t>robomongo.org/download</a:t>
+            </a:r>
+            <a:endParaRPr lang="en-ZA" smtClean="0"/>
+          </a:p>
+          <a:p>
+            <a:endParaRPr lang="en-ZA"/>
           </a:p>
         </p:txBody>
       </p:sp>
     </p:spTree>
     <p:extLst>
       <p:ext uri="{BB962C8B-B14F-4D97-AF65-F5344CB8AC3E}">
-        <p14:creationId xmlns:p14="http://schemas.microsoft.com/office/powerpoint/2010/main" val="166072740"/>
+        <p14:creationId xmlns:p14="http://schemas.microsoft.com/office/powerpoint/2010/main" val="2236645131"/>
       </p:ext>
     </p:extLst>
   </p:cSld>
@@ -9028,7 +9232,12 @@
             <p:ph type="title"/>
           </p:nvPr>
         </p:nvSpPr>
-        <p:spPr/>
+        <p:spPr>
+          <a:xfrm>
+            <a:off x="646111" y="452718"/>
+            <a:ext cx="9695624" cy="1400530"/>
+          </a:xfrm>
+        </p:spPr>
         <p:txBody>
           <a:bodyPr/>
           <a:lstStyle/>
@@ -9039,7 +9248,7 @@
             </a:r>
             <a:r>
               <a:rPr lang="en-ZA" dirty="0" smtClean="0"/>
-              <a:t> Connector</a:t>
+              <a:t> connection with Node JS</a:t>
             </a:r>
             <a:endParaRPr lang="en-ZA" dirty="0"/>
           </a:p>
@@ -9061,55 +9270,45 @@
           <a:lstStyle/>
           <a:p>
             <a:r>
-              <a:rPr lang="en-ZA" dirty="0">
-                <a:hlinkClick r:id="rId2"/>
-              </a:rPr>
-              <a:t>http://doduck.com/node-js-mongodb-hello-world-example</a:t>
-            </a:r>
-            <a:r>
-              <a:rPr lang="en-ZA" dirty="0" smtClean="0">
-                <a:hlinkClick r:id="rId2"/>
-              </a:rPr>
-              <a:t>/</a:t>
-            </a:r>
-            <a:endParaRPr lang="en-ZA" dirty="0" smtClean="0"/>
-          </a:p>
-          <a:p>
+              <a:rPr lang="en-ZA" dirty="0" smtClean="0"/>
+              <a:t>There are many different ‘connectors’ or drivers</a:t>
+            </a:r>
+          </a:p>
+          <a:p>
+            <a:r>
+              <a:rPr lang="en-ZA" dirty="0" smtClean="0"/>
+              <a:t>We will look at two</a:t>
+            </a:r>
+          </a:p>
+          <a:p>
+            <a:pPr lvl="1"/>
+            <a:r>
+              <a:rPr lang="en-ZA" dirty="0" smtClean="0"/>
+              <a:t>The standard </a:t>
+            </a:r>
+            <a:r>
+              <a:rPr lang="en-ZA" dirty="0" err="1" smtClean="0"/>
+              <a:t>MongoDb</a:t>
+            </a:r>
+            <a:r>
+              <a:rPr lang="en-ZA" dirty="0" smtClean="0"/>
+              <a:t> connector</a:t>
+            </a:r>
+          </a:p>
+          <a:p>
+            <a:pPr lvl="1"/>
+            <a:r>
+              <a:rPr lang="en-ZA" dirty="0" smtClean="0"/>
+              <a:t>Mongoose</a:t>
+            </a:r>
             <a:endParaRPr lang="en-ZA" dirty="0"/>
-          </a:p>
-          <a:p>
-            <a:r>
-              <a:rPr lang="en-ZA" dirty="0" err="1" smtClean="0"/>
-              <a:t>Npm</a:t>
-            </a:r>
-            <a:r>
-              <a:rPr lang="en-ZA" dirty="0"/>
-              <a:t> install –save </a:t>
-            </a:r>
-            <a:r>
-              <a:rPr lang="en-ZA" dirty="0" err="1" smtClean="0"/>
-              <a:t>mongodb</a:t>
-            </a:r>
-            <a:r>
-              <a:rPr lang="en-ZA" dirty="0" smtClean="0"/>
-              <a:t>.</a:t>
-            </a:r>
-          </a:p>
-          <a:p>
-            <a:r>
-              <a:rPr lang="en-ZA" dirty="0" smtClean="0"/>
-              <a:t>See example and look at link</a:t>
-            </a:r>
-          </a:p>
-          <a:p>
-            <a:endParaRPr lang="en-ZA" dirty="0" smtClean="0"/>
           </a:p>
         </p:txBody>
       </p:sp>
     </p:spTree>
     <p:extLst>
       <p:ext uri="{BB962C8B-B14F-4D97-AF65-F5344CB8AC3E}">
-        <p14:creationId xmlns:p14="http://schemas.microsoft.com/office/powerpoint/2010/main" val="3225737885"/>
+        <p14:creationId xmlns:p14="http://schemas.microsoft.com/office/powerpoint/2010/main" val="1712933103"/>
       </p:ext>
     </p:extLst>
   </p:cSld>
@@ -9153,7 +9352,11 @@
           <a:p>
             <a:r>
               <a:rPr lang="en-ZA" dirty="0" smtClean="0"/>
-              <a:t>Mongoose</a:t>
+              <a:t>Connecting to </a:t>
+            </a:r>
+            <a:r>
+              <a:rPr lang="en-ZA" dirty="0" err="1" smtClean="0"/>
+              <a:t>MongoDb</a:t>
             </a:r>
             <a:endParaRPr lang="en-ZA" dirty="0"/>
           </a:p>
@@ -9174,6 +9377,100 @@
           <a:bodyPr/>
           <a:lstStyle/>
           <a:p>
+            <a:r>
+              <a:rPr lang="en-ZA" dirty="0"/>
+              <a:t>Both use similar syntax</a:t>
+            </a:r>
+          </a:p>
+          <a:p>
+            <a:r>
+              <a:rPr lang="en-ZA" dirty="0"/>
+              <a:t>We will only cover </a:t>
+            </a:r>
+            <a:r>
+              <a:rPr lang="en-ZA" dirty="0" err="1"/>
+              <a:t>callback</a:t>
+            </a:r>
+            <a:r>
+              <a:rPr lang="en-ZA" dirty="0"/>
+              <a:t> syntax in this session as next session is about different code patterns in JavaScript</a:t>
+            </a:r>
+          </a:p>
+          <a:p>
+            <a:r>
+              <a:rPr lang="en-ZA" dirty="0"/>
+              <a:t>Both also use a similar </a:t>
+            </a:r>
+            <a:r>
+              <a:rPr lang="en-ZA" dirty="0" err="1"/>
+              <a:t>mongodb</a:t>
+            </a:r>
+            <a:r>
+              <a:rPr lang="en-ZA" dirty="0"/>
+              <a:t> connection </a:t>
+            </a:r>
+            <a:r>
+              <a:rPr lang="en-ZA" dirty="0" smtClean="0"/>
+              <a:t>string</a:t>
+            </a:r>
+          </a:p>
+          <a:p>
+            <a:pPr lvl="1"/>
+            <a:r>
+              <a:rPr lang="en-ZA" dirty="0" smtClean="0"/>
+              <a:t>A </a:t>
+            </a:r>
+            <a:r>
+              <a:rPr lang="en-ZA" dirty="0" err="1" smtClean="0"/>
+              <a:t>url</a:t>
+            </a:r>
+            <a:r>
+              <a:rPr lang="en-ZA" dirty="0" smtClean="0"/>
+              <a:t> to connect to the specific database</a:t>
+            </a:r>
+          </a:p>
+          <a:p>
+            <a:pPr lvl="1"/>
+            <a:r>
+              <a:rPr lang="en-ZA" dirty="0"/>
+              <a:t>E.g. "</a:t>
+            </a:r>
+            <a:r>
+              <a:rPr lang="en-ZA" dirty="0" err="1"/>
+              <a:t>mongodb</a:t>
+            </a:r>
+            <a:r>
+              <a:rPr lang="en-ZA" dirty="0"/>
+              <a:t>://</a:t>
+            </a:r>
+            <a:r>
+              <a:rPr lang="en-ZA" dirty="0" err="1"/>
+              <a:t>localhost</a:t>
+            </a:r>
+            <a:r>
+              <a:rPr lang="en-ZA" dirty="0"/>
+              <a:t>/</a:t>
+            </a:r>
+            <a:r>
+              <a:rPr lang="en-ZA" dirty="0" err="1"/>
+              <a:t>exampleDb</a:t>
+            </a:r>
+            <a:r>
+              <a:rPr lang="en-ZA" dirty="0"/>
+              <a:t>"</a:t>
+            </a:r>
+          </a:p>
+          <a:p>
+            <a:r>
+              <a:rPr lang="en-ZA" dirty="0" smtClean="0"/>
+              <a:t>Other options such as username and password can also be added</a:t>
+            </a:r>
+          </a:p>
+          <a:p>
+            <a:r>
+              <a:rPr lang="en-ZA" dirty="0"/>
+              <a:t>See documentation: </a:t>
+            </a:r>
             <a:r>
               <a:rPr lang="en-ZA" dirty="0">
                 <a:hlinkClick r:id="rId2"/>
@@ -9184,53 +9481,9 @@
               <a:rPr lang="en-ZA" dirty="0" smtClean="0">
                 <a:hlinkClick r:id="rId2"/>
               </a:rPr>
-              <a:t>www.npmjs.com/package/mongoose</a:t>
+              <a:t>mongodb.github.io/node-mongodb-native/api-generated/mongoclient.html</a:t>
             </a:r>
             <a:endParaRPr lang="en-ZA" dirty="0" smtClean="0"/>
-          </a:p>
-          <a:p>
-            <a:r>
-              <a:rPr lang="en-ZA" dirty="0" smtClean="0"/>
-              <a:t>An alternative </a:t>
-            </a:r>
-            <a:r>
-              <a:rPr lang="en-ZA" dirty="0" err="1" smtClean="0"/>
-              <a:t>npm</a:t>
-            </a:r>
-            <a:r>
-              <a:rPr lang="en-ZA" dirty="0" smtClean="0"/>
-              <a:t> library</a:t>
-            </a:r>
-          </a:p>
-          <a:p>
-            <a:r>
-              <a:rPr lang="en-ZA" dirty="0" smtClean="0"/>
-              <a:t>Allows for more advanced usage (later sessions)</a:t>
-            </a:r>
-          </a:p>
-          <a:p>
-            <a:endParaRPr lang="en-ZA" dirty="0"/>
-          </a:p>
-          <a:p>
-            <a:r>
-              <a:rPr lang="en-ZA" dirty="0" smtClean="0"/>
-              <a:t>Can create schemas (similar to models)</a:t>
-            </a:r>
-          </a:p>
-          <a:p>
-            <a:r>
-              <a:rPr lang="en-ZA" dirty="0" smtClean="0"/>
-              <a:t>Can create internal methods</a:t>
-            </a:r>
-          </a:p>
-          <a:p>
-            <a:endParaRPr lang="en-ZA" dirty="0"/>
-          </a:p>
-          <a:p>
-            <a:r>
-              <a:rPr lang="en-ZA" dirty="0" smtClean="0"/>
-              <a:t>Works with promises and generators (Session 4)</a:t>
-            </a:r>
           </a:p>
           <a:p>
             <a:endParaRPr lang="en-ZA" dirty="0"/>
@@ -9240,7 +9493,7 @@
     </p:spTree>
     <p:extLst>
       <p:ext uri="{BB962C8B-B14F-4D97-AF65-F5344CB8AC3E}">
-        <p14:creationId xmlns:p14="http://schemas.microsoft.com/office/powerpoint/2010/main" val="1805360421"/>
+        <p14:creationId xmlns:p14="http://schemas.microsoft.com/office/powerpoint/2010/main" val="166072740"/>
       </p:ext>
     </p:extLst>
   </p:cSld>
@@ -9283,8 +9536,12 @@
           <a:lstStyle/>
           <a:p>
             <a:r>
+              <a:rPr lang="en-ZA" dirty="0" err="1" smtClean="0"/>
+              <a:t>MongoDb</a:t>
+            </a:r>
+            <a:r>
               <a:rPr lang="en-ZA" dirty="0" smtClean="0"/>
-              <a:t>An example find using AND, EXEC</a:t>
+              <a:t> Connector</a:t>
             </a:r>
             <a:endParaRPr lang="en-ZA" dirty="0"/>
           </a:p>
@@ -9305,145 +9562,56 @@
           <a:bodyPr/>
           <a:lstStyle/>
           <a:p>
-            <a:pPr marL="0" indent="0">
-              <a:buNone/>
-            </a:pPr>
+            <a:r>
+              <a:rPr lang="en-ZA" dirty="0">
+                <a:hlinkClick r:id="rId2"/>
+              </a:rPr>
+              <a:t>http://doduck.com/node-js-mongodb-hello-world-example</a:t>
+            </a:r>
+            <a:r>
+              <a:rPr lang="en-ZA" dirty="0" smtClean="0">
+                <a:hlinkClick r:id="rId2"/>
+              </a:rPr>
+              <a:t>/</a:t>
+            </a:r>
+            <a:endParaRPr lang="en-ZA" dirty="0" smtClean="0"/>
+          </a:p>
+          <a:p>
+            <a:endParaRPr lang="en-ZA" dirty="0"/>
+          </a:p>
+          <a:p>
+            <a:r>
+              <a:rPr lang="en-ZA" dirty="0" err="1" smtClean="0"/>
+              <a:t>Npm</a:t>
+            </a:r>
             <a:r>
               <a:rPr lang="en-ZA" dirty="0"/>
-              <a:t> </a:t>
-            </a:r>
-            <a:r>
-              <a:rPr lang="en-ZA" dirty="0" err="1"/>
-              <a:t>Book.find</a:t>
-            </a:r>
-            <a:r>
-              <a:rPr lang="en-ZA" dirty="0"/>
-              <a:t>({ $and: [{ _id: { $ne: </a:t>
-            </a:r>
-            <a:r>
-              <a:rPr lang="en-ZA" dirty="0" err="1"/>
-              <a:t>book._id</a:t>
-            </a:r>
-            <a:r>
-              <a:rPr lang="en-ZA" dirty="0"/>
-              <a:t> } }, { interests: { $</a:t>
-            </a:r>
-            <a:r>
-              <a:rPr lang="en-ZA" dirty="0" err="1"/>
-              <a:t>elemMatch</a:t>
-            </a:r>
-            <a:r>
-              <a:rPr lang="en-ZA" dirty="0"/>
-              <a:t>: { $in: interests } } }] }).exec(function(err, </a:t>
-            </a:r>
-            <a:r>
-              <a:rPr lang="en-ZA" dirty="0" err="1"/>
-              <a:t>relatedBooks</a:t>
-            </a:r>
-            <a:r>
-              <a:rPr lang="en-ZA" dirty="0"/>
-              <a:t>) {</a:t>
-            </a:r>
-          </a:p>
-          <a:p>
-            <a:pPr marL="0" indent="0">
-              <a:buNone/>
-            </a:pPr>
-            <a:r>
-              <a:rPr lang="en-ZA" dirty="0"/>
-              <a:t>            /* </a:t>
-            </a:r>
-            <a:r>
-              <a:rPr lang="en-ZA" dirty="0" err="1"/>
-              <a:t>istanbul</a:t>
-            </a:r>
-            <a:r>
-              <a:rPr lang="en-ZA" dirty="0"/>
-              <a:t> ignore next */</a:t>
-            </a:r>
-          </a:p>
-          <a:p>
-            <a:pPr marL="0" indent="0">
-              <a:buNone/>
-            </a:pPr>
-            <a:r>
-              <a:rPr lang="en-ZA" dirty="0"/>
-              <a:t>            if (err) {</a:t>
-            </a:r>
-          </a:p>
-          <a:p>
-            <a:pPr marL="0" indent="0">
-              <a:buNone/>
-            </a:pPr>
-            <a:r>
-              <a:rPr lang="en-ZA" dirty="0"/>
-              <a:t>                </a:t>
-            </a:r>
-            <a:r>
-              <a:rPr lang="en-ZA" dirty="0" err="1"/>
-              <a:t>logger.error</a:t>
-            </a:r>
-            <a:r>
-              <a:rPr lang="en-ZA" dirty="0"/>
-              <a:t>(err);</a:t>
-            </a:r>
-          </a:p>
-          <a:p>
-            <a:pPr marL="0" indent="0">
-              <a:buNone/>
-            </a:pPr>
-            <a:r>
-              <a:rPr lang="en-ZA" dirty="0"/>
-              <a:t>                return reject(err);</a:t>
-            </a:r>
-          </a:p>
-          <a:p>
-            <a:pPr marL="0" indent="0">
-              <a:buNone/>
-            </a:pPr>
-            <a:r>
-              <a:rPr lang="en-ZA" dirty="0"/>
-              <a:t>            }</a:t>
-            </a:r>
-          </a:p>
-          <a:p>
-            <a:pPr marL="0" indent="0">
-              <a:buNone/>
-            </a:pPr>
-            <a:endParaRPr lang="en-ZA" dirty="0"/>
-          </a:p>
-          <a:p>
-            <a:pPr marL="0" indent="0">
-              <a:buNone/>
-            </a:pPr>
-            <a:r>
-              <a:rPr lang="en-ZA" dirty="0"/>
-              <a:t>            resolve(</a:t>
-            </a:r>
-            <a:r>
-              <a:rPr lang="en-ZA" dirty="0" err="1"/>
-              <a:t>relatedBooks</a:t>
-            </a:r>
-            <a:r>
-              <a:rPr lang="en-ZA" dirty="0"/>
-              <a:t>);</a:t>
-            </a:r>
-          </a:p>
-          <a:p>
-            <a:pPr marL="0" indent="0">
-              <a:buNone/>
-            </a:pPr>
-            <a:r>
-              <a:rPr lang="en-ZA" dirty="0"/>
-              <a:t>        });</a:t>
-            </a:r>
+              <a:t> install –save </a:t>
+            </a:r>
+            <a:r>
+              <a:rPr lang="en-ZA" dirty="0" err="1" smtClean="0"/>
+              <a:t>mongodb</a:t>
+            </a:r>
+            <a:r>
+              <a:rPr lang="en-ZA" dirty="0" smtClean="0"/>
+              <a:t>.</a:t>
+            </a:r>
+          </a:p>
+          <a:p>
+            <a:r>
+              <a:rPr lang="en-ZA" dirty="0" smtClean="0"/>
+              <a:t>See example and look at link</a:t>
+            </a:r>
+          </a:p>
+          <a:p>
+            <a:endParaRPr lang="en-ZA" dirty="0" smtClean="0"/>
           </a:p>
         </p:txBody>
       </p:sp>
     </p:spTree>
     <p:extLst>
       <p:ext uri="{BB962C8B-B14F-4D97-AF65-F5344CB8AC3E}">
-        <p14:creationId xmlns:p14="http://schemas.microsoft.com/office/powerpoint/2010/main" val="2356334944"/>
+        <p14:creationId xmlns:p14="http://schemas.microsoft.com/office/powerpoint/2010/main" val="3225737885"/>
       </p:ext>
     </p:extLst>
   </p:cSld>
@@ -9487,116 +9655,94 @@
           <a:p>
             <a:r>
               <a:rPr lang="en-ZA" dirty="0" smtClean="0"/>
-              <a:t>Some hints with </a:t>
+              <a:t>Mongoose</a:t>
+            </a:r>
+            <a:endParaRPr lang="en-ZA" dirty="0"/>
+          </a:p>
+        </p:txBody>
+      </p:sp>
+      <p:sp>
+        <p:nvSpPr>
+          <p:cNvPr id="3" name="Content Placeholder 2"/>
+          <p:cNvSpPr>
+            <a:spLocks noGrp="1"/>
+          </p:cNvSpPr>
+          <p:nvPr>
+            <p:ph idx="1"/>
+          </p:nvPr>
+        </p:nvSpPr>
+        <p:spPr/>
+        <p:txBody>
+          <a:bodyPr/>
+          <a:lstStyle/>
+          <a:p>
+            <a:r>
+              <a:rPr lang="en-ZA" dirty="0">
+                <a:hlinkClick r:id="rId2"/>
+              </a:rPr>
+              <a:t>https://</a:t>
+            </a:r>
+            <a:r>
+              <a:rPr lang="en-ZA" dirty="0" smtClean="0">
+                <a:hlinkClick r:id="rId2"/>
+              </a:rPr>
+              <a:t>www.npmjs.com/package/mongoose</a:t>
+            </a:r>
+            <a:endParaRPr lang="en-ZA" dirty="0" smtClean="0"/>
+          </a:p>
+          <a:p>
+            <a:r>
+              <a:rPr lang="en-ZA" dirty="0" smtClean="0"/>
+              <a:t>An alternative </a:t>
             </a:r>
             <a:r>
               <a:rPr lang="en-ZA" dirty="0" err="1" smtClean="0"/>
-              <a:t>MongoDb</a:t>
-            </a:r>
+              <a:t>npm</a:t>
+            </a:r>
+            <a:r>
+              <a:rPr lang="en-ZA" dirty="0" smtClean="0"/>
+              <a:t> library</a:t>
+            </a:r>
+          </a:p>
+          <a:p>
+            <a:r>
+              <a:rPr lang="en-ZA" dirty="0" smtClean="0"/>
+              <a:t>Allows for more advanced usage (later sessions)</a:t>
+            </a:r>
+          </a:p>
+          <a:p>
             <a:endParaRPr lang="en-ZA" dirty="0"/>
           </a:p>
-        </p:txBody>
-      </p:sp>
-      <p:sp>
-        <p:nvSpPr>
-          <p:cNvPr id="3" name="Content Placeholder 2"/>
-          <p:cNvSpPr>
-            <a:spLocks noGrp="1"/>
-          </p:cNvSpPr>
-          <p:nvPr>
-            <p:ph idx="1"/>
-          </p:nvPr>
-        </p:nvSpPr>
-        <p:spPr/>
-        <p:txBody>
-          <a:bodyPr/>
-          <a:lstStyle/>
           <a:p>
             <a:r>
               <a:rPr lang="en-ZA" dirty="0" smtClean="0"/>
-              <a:t>An id search</a:t>
-            </a:r>
-          </a:p>
-          <a:p>
-            <a:pPr lvl="1"/>
+              <a:t>Can create schemas (similar to models)</a:t>
+            </a:r>
+          </a:p>
+          <a:p>
             <a:r>
               <a:rPr lang="en-ZA" dirty="0" smtClean="0"/>
-              <a:t>{ _</a:t>
-            </a:r>
-            <a:r>
-              <a:rPr lang="en-ZA" dirty="0"/>
-              <a:t>id: </a:t>
-            </a:r>
-            <a:r>
-              <a:rPr lang="en-ZA" dirty="0" err="1" smtClean="0"/>
-              <a:t>bookId</a:t>
-            </a:r>
+              <a:t>Can create internal methods</a:t>
+            </a:r>
+          </a:p>
+          <a:p>
+            <a:endParaRPr lang="en-ZA" dirty="0"/>
+          </a:p>
+          <a:p>
             <a:r>
               <a:rPr lang="en-ZA" dirty="0" smtClean="0"/>
-              <a:t> }</a:t>
-            </a:r>
-          </a:p>
-          <a:p>
-            <a:r>
-              <a:rPr lang="en-ZA" dirty="0" smtClean="0"/>
-              <a:t>find VS </a:t>
-            </a:r>
-            <a:r>
-              <a:rPr lang="en-ZA" dirty="0" err="1" smtClean="0"/>
-              <a:t>findOne</a:t>
-            </a:r>
-            <a:endParaRPr lang="en-ZA" dirty="0" smtClean="0"/>
-          </a:p>
-          <a:p>
-            <a:r>
-              <a:rPr lang="en-ZA" dirty="0" smtClean="0"/>
-              <a:t>$or and $and</a:t>
-            </a:r>
-          </a:p>
-          <a:p>
-            <a:pPr lvl="1"/>
-            <a:r>
-              <a:rPr lang="en-ZA" dirty="0" smtClean="0"/>
-              <a:t>Array of search parameter objects.</a:t>
-            </a:r>
-          </a:p>
-          <a:p>
-            <a:r>
-              <a:rPr lang="en-ZA" dirty="0" smtClean="0"/>
-              <a:t>Mongoose update</a:t>
-            </a:r>
-          </a:p>
-          <a:p>
-            <a:pPr lvl="1"/>
-            <a:r>
-              <a:rPr lang="en-ZA" dirty="0" smtClean="0"/>
-              <a:t>Do a find</a:t>
-            </a:r>
-          </a:p>
-          <a:p>
-            <a:pPr lvl="1"/>
-            <a:r>
-              <a:rPr lang="en-ZA" dirty="0" smtClean="0"/>
-              <a:t>Inside update the required methods</a:t>
-            </a:r>
-          </a:p>
-          <a:p>
-            <a:pPr lvl="1"/>
-            <a:r>
-              <a:rPr lang="en-ZA" dirty="0" err="1"/>
-              <a:t>user.save</a:t>
-            </a:r>
-            <a:r>
-              <a:rPr lang="en-ZA" dirty="0"/>
-              <a:t>();</a:t>
-            </a:r>
+              <a:t>Works with promises and generators (Session 4)</a:t>
+            </a:r>
+          </a:p>
+          <a:p>
+            <a:endParaRPr lang="en-ZA" dirty="0"/>
           </a:p>
         </p:txBody>
       </p:sp>
     </p:spTree>
     <p:extLst>
       <p:ext uri="{BB962C8B-B14F-4D97-AF65-F5344CB8AC3E}">
-        <p14:creationId xmlns:p14="http://schemas.microsoft.com/office/powerpoint/2010/main" val="3555921464"/>
+        <p14:creationId xmlns:p14="http://schemas.microsoft.com/office/powerpoint/2010/main" val="1805360421"/>
       </p:ext>
     </p:extLst>
   </p:cSld>
@@ -9640,7 +9786,7 @@
           <a:p>
             <a:r>
               <a:rPr lang="en-ZA" dirty="0" smtClean="0"/>
-              <a:t>Task runners / build systems</a:t>
+              <a:t>An example find using AND, EXEC</a:t>
             </a:r>
             <a:endParaRPr lang="en-ZA" dirty="0"/>
           </a:p>
@@ -9661,81 +9807,145 @@
           <a:bodyPr/>
           <a:lstStyle/>
           <a:p>
-            <a:r>
-              <a:rPr lang="en-ZA" dirty="0" err="1" smtClean="0"/>
-              <a:t>npm</a:t>
-            </a:r>
-            <a:endParaRPr lang="en-ZA" dirty="0" smtClean="0"/>
-          </a:p>
-          <a:p>
-            <a:r>
-              <a:rPr lang="en-ZA" dirty="0" smtClean="0"/>
-              <a:t>Gulp</a:t>
-            </a:r>
-          </a:p>
-          <a:p>
-            <a:pPr lvl="1"/>
-            <a:r>
-              <a:rPr lang="en-ZA" dirty="0">
-                <a:hlinkClick r:id="rId2"/>
-              </a:rPr>
-              <a:t>http://gulpjs.com</a:t>
-            </a:r>
-            <a:r>
-              <a:rPr lang="en-ZA" dirty="0" smtClean="0">
-                <a:hlinkClick r:id="rId2"/>
-              </a:rPr>
-              <a:t>/</a:t>
-            </a:r>
-            <a:endParaRPr lang="en-ZA" dirty="0" smtClean="0"/>
-          </a:p>
-          <a:p>
-            <a:r>
-              <a:rPr lang="en-ZA" dirty="0" smtClean="0"/>
-              <a:t>Grunt</a:t>
-            </a:r>
-          </a:p>
-          <a:p>
-            <a:pPr lvl="1"/>
-            <a:r>
-              <a:rPr lang="en-ZA" dirty="0">
-                <a:hlinkClick r:id="rId3"/>
-              </a:rPr>
-              <a:t>http://gruntjs.com</a:t>
-            </a:r>
-            <a:r>
-              <a:rPr lang="en-ZA" dirty="0" smtClean="0">
-                <a:hlinkClick r:id="rId3"/>
-              </a:rPr>
-              <a:t>/</a:t>
-            </a:r>
-            <a:endParaRPr lang="en-ZA" dirty="0" smtClean="0"/>
-          </a:p>
-          <a:p>
-            <a:r>
-              <a:rPr lang="en-ZA" dirty="0" smtClean="0"/>
-              <a:t>Makes it easier to chain tasks together</a:t>
-            </a:r>
-          </a:p>
-          <a:p>
-            <a:r>
-              <a:rPr lang="en-ZA" dirty="0" smtClean="0"/>
-              <a:t>Deployment scripts</a:t>
-            </a:r>
-          </a:p>
-          <a:p>
-            <a:r>
-              <a:rPr lang="en-ZA" dirty="0" smtClean="0"/>
-              <a:t>Development scripts</a:t>
-            </a:r>
+            <a:pPr marL="0" indent="0">
+              <a:buNone/>
+            </a:pPr>
+            <a:r>
+              <a:rPr lang="en-ZA" dirty="0"/>
+              <a:t> </a:t>
+            </a:r>
+            <a:r>
+              <a:rPr lang="en-ZA" dirty="0" err="1"/>
+              <a:t>Book.find</a:t>
+            </a:r>
+            <a:r>
+              <a:rPr lang="en-ZA" dirty="0"/>
+              <a:t>({ $and: [{ _id: { $ne: </a:t>
+            </a:r>
+            <a:r>
+              <a:rPr lang="en-ZA" dirty="0" err="1"/>
+              <a:t>book._id</a:t>
+            </a:r>
+            <a:r>
+              <a:rPr lang="en-ZA" dirty="0"/>
+              <a:t> } }, { interests: { $</a:t>
+            </a:r>
+            <a:r>
+              <a:rPr lang="en-ZA" dirty="0" err="1"/>
+              <a:t>elemMatch</a:t>
+            </a:r>
+            <a:r>
+              <a:rPr lang="en-ZA" dirty="0"/>
+              <a:t>: { $in: interests } } }] }).exec(function(err, </a:t>
+            </a:r>
+            <a:r>
+              <a:rPr lang="en-ZA" dirty="0" err="1"/>
+              <a:t>relatedBooks</a:t>
+            </a:r>
+            <a:r>
+              <a:rPr lang="en-ZA" dirty="0"/>
+              <a:t>) {</a:t>
+            </a:r>
+          </a:p>
+          <a:p>
+            <a:pPr marL="0" indent="0">
+              <a:buNone/>
+            </a:pPr>
+            <a:r>
+              <a:rPr lang="en-ZA" dirty="0"/>
+              <a:t>            /* </a:t>
+            </a:r>
+            <a:r>
+              <a:rPr lang="en-ZA" dirty="0" err="1"/>
+              <a:t>istanbul</a:t>
+            </a:r>
+            <a:r>
+              <a:rPr lang="en-ZA" dirty="0"/>
+              <a:t> ignore next */</a:t>
+            </a:r>
+          </a:p>
+          <a:p>
+            <a:pPr marL="0" indent="0">
+              <a:buNone/>
+            </a:pPr>
+            <a:r>
+              <a:rPr lang="en-ZA" dirty="0"/>
+              <a:t>            if (err) {</a:t>
+            </a:r>
+          </a:p>
+          <a:p>
+            <a:pPr marL="0" indent="0">
+              <a:buNone/>
+            </a:pPr>
+            <a:r>
+              <a:rPr lang="en-ZA" dirty="0"/>
+              <a:t>                </a:t>
+            </a:r>
+            <a:r>
+              <a:rPr lang="en-ZA" dirty="0" err="1"/>
+              <a:t>logger.error</a:t>
+            </a:r>
+            <a:r>
+              <a:rPr lang="en-ZA" dirty="0"/>
+              <a:t>(err);</a:t>
+            </a:r>
+          </a:p>
+          <a:p>
+            <a:pPr marL="0" indent="0">
+              <a:buNone/>
+            </a:pPr>
+            <a:r>
+              <a:rPr lang="en-ZA" dirty="0"/>
+              <a:t>                return reject(err);</a:t>
+            </a:r>
+          </a:p>
+          <a:p>
+            <a:pPr marL="0" indent="0">
+              <a:buNone/>
+            </a:pPr>
+            <a:r>
+              <a:rPr lang="en-ZA" dirty="0"/>
+              <a:t>            }</a:t>
+            </a:r>
+          </a:p>
+          <a:p>
+            <a:pPr marL="0" indent="0">
+              <a:buNone/>
+            </a:pPr>
             <a:endParaRPr lang="en-ZA" dirty="0"/>
+          </a:p>
+          <a:p>
+            <a:pPr marL="0" indent="0">
+              <a:buNone/>
+            </a:pPr>
+            <a:r>
+              <a:rPr lang="en-ZA" dirty="0"/>
+              <a:t>            resolve(</a:t>
+            </a:r>
+            <a:r>
+              <a:rPr lang="en-ZA" dirty="0" err="1"/>
+              <a:t>relatedBooks</a:t>
+            </a:r>
+            <a:r>
+              <a:rPr lang="en-ZA" dirty="0"/>
+              <a:t>);</a:t>
+            </a:r>
+          </a:p>
+          <a:p>
+            <a:pPr marL="0" indent="0">
+              <a:buNone/>
+            </a:pPr>
+            <a:r>
+              <a:rPr lang="en-ZA" dirty="0"/>
+              <a:t>        });</a:t>
+            </a:r>
           </a:p>
         </p:txBody>
       </p:sp>
     </p:spTree>
     <p:extLst>
       <p:ext uri="{BB962C8B-B14F-4D97-AF65-F5344CB8AC3E}">
-        <p14:creationId xmlns:p14="http://schemas.microsoft.com/office/powerpoint/2010/main" val="2352922666"/>
+        <p14:creationId xmlns:p14="http://schemas.microsoft.com/office/powerpoint/2010/main" val="2356334944"/>
       </p:ext>
     </p:extLst>
   </p:cSld>
@@ -10003,7 +10213,7 @@
   <a:extraClrSchemeLst/>
   <a:extLst>
     <a:ext uri="{05A4C25C-085E-4340-85A3-A5531E510DB2}">
-      <thm15:themeFamily xmlns:thm15="http://schemas.microsoft.com/office/thememl/2012/main" name="Ion" id="{B8441ADB-2E43-4AF7-B97A-BD870242C6A8}" vid="{A207AED3-9ABC-4A18-9978-A59B65688B15}"/>
+      <thm15:themeFamily xmlns:thm15="http://schemas.microsoft.com/office/thememl/2012/main" xmlns="" name="Ion" id="{B8441ADB-2E43-4AF7-B97A-BD870242C6A8}" vid="{A207AED3-9ABC-4A18-9978-A59B65688B15}"/>
     </a:ext>
   </a:extLst>
 </a:theme>

--- a/Session 3/Softdev Session 3 2016.pptx
+++ b/Session 3/Softdev Session 3 2016.pptx
@@ -19,9 +19,9 @@
     <p:sldId id="319" r:id="rId13"/>
     <p:sldId id="320" r:id="rId14"/>
     <p:sldId id="317" r:id="rId15"/>
-    <p:sldId id="310" r:id="rId16"/>
-    <p:sldId id="307" r:id="rId17"/>
-    <p:sldId id="308" r:id="rId18"/>
+    <p:sldId id="323" r:id="rId16"/>
+    <p:sldId id="310" r:id="rId17"/>
+    <p:sldId id="307" r:id="rId18"/>
     <p:sldId id="285" r:id="rId19"/>
   </p:sldIdLst>
   <p:sldSz cx="12192000" cy="6858000"/>
@@ -6348,6 +6348,13 @@
   <p:clrMapOvr>
     <a:masterClrMapping/>
   </p:clrMapOvr>
+  <p:timing>
+    <p:tnLst>
+      <p:par>
+        <p:cTn id="1" dur="indefinite" restart="never" nodeType="tmRoot"/>
+      </p:par>
+    </p:tnLst>
+  </p:timing>
 </p:sld>
 </file>
 
@@ -6487,6 +6494,13 @@
   <p:clrMapOvr>
     <a:masterClrMapping/>
   </p:clrMapOvr>
+  <p:timing>
+    <p:tnLst>
+      <p:par>
+        <p:cTn id="1" dur="indefinite" restart="never" nodeType="tmRoot"/>
+      </p:par>
+    </p:tnLst>
+  </p:timing>
 </p:sld>
 </file>
 
@@ -7233,6 +7247,13 @@
   <p:clrMapOvr>
     <a:masterClrMapping/>
   </p:clrMapOvr>
+  <p:timing>
+    <p:tnLst>
+      <p:par>
+        <p:cTn id="1" dur="indefinite" restart="never" nodeType="tmRoot"/>
+      </p:par>
+    </p:tnLst>
+  </p:timing>
 </p:sld>
 </file>
 
@@ -7335,6 +7356,13 @@
   <p:clrMapOvr>
     <a:masterClrMapping/>
   </p:clrMapOvr>
+  <p:timing>
+    <p:tnLst>
+      <p:par>
+        <p:cTn id="1" dur="indefinite" restart="never" nodeType="tmRoot"/>
+      </p:par>
+    </p:tnLst>
+  </p:timing>
 </p:sld>
 </file>
 
@@ -7490,10 +7518,121 @@
   <p:clrMapOvr>
     <a:masterClrMapping/>
   </p:clrMapOvr>
+  <p:timing>
+    <p:tnLst>
+      <p:par>
+        <p:cTn id="1" dur="indefinite" restart="never" nodeType="tmRoot"/>
+      </p:par>
+    </p:tnLst>
+  </p:timing>
 </p:sld>
 </file>
 
 <file path=ppt/slides/slide15.xml><?xml version="1.0" encoding="utf-8"?>
+<p:sld xmlns:a="http://schemas.openxmlformats.org/drawingml/2006/main" xmlns:r="http://schemas.openxmlformats.org/officeDocument/2006/relationships" xmlns:p="http://schemas.openxmlformats.org/presentationml/2006/main">
+  <p:cSld>
+    <p:spTree>
+      <p:nvGrpSpPr>
+        <p:cNvPr id="1" name=""/>
+        <p:cNvGrpSpPr/>
+        <p:nvPr/>
+      </p:nvGrpSpPr>
+      <p:grpSpPr>
+        <a:xfrm>
+          <a:off x="0" y="0"/>
+          <a:ext cx="0" cy="0"/>
+          <a:chOff x="0" y="0"/>
+          <a:chExt cx="0" cy="0"/>
+        </a:xfrm>
+      </p:grpSpPr>
+      <p:sp>
+        <p:nvSpPr>
+          <p:cNvPr id="2" name="Title 1"/>
+          <p:cNvSpPr>
+            <a:spLocks noGrp="1"/>
+          </p:cNvSpPr>
+          <p:nvPr>
+            <p:ph type="title"/>
+          </p:nvPr>
+        </p:nvSpPr>
+        <p:spPr/>
+        <p:txBody>
+          <a:bodyPr/>
+          <a:lstStyle/>
+          <a:p>
+            <a:r>
+              <a:rPr lang="en-US" dirty="0" smtClean="0"/>
+              <a:t>Code coverage</a:t>
+            </a:r>
+            <a:endParaRPr lang="en-ZA" dirty="0"/>
+          </a:p>
+        </p:txBody>
+      </p:sp>
+      <p:sp>
+        <p:nvSpPr>
+          <p:cNvPr id="3" name="Content Placeholder 2"/>
+          <p:cNvSpPr>
+            <a:spLocks noGrp="1"/>
+          </p:cNvSpPr>
+          <p:nvPr>
+            <p:ph idx="1"/>
+          </p:nvPr>
+        </p:nvSpPr>
+        <p:spPr/>
+        <p:txBody>
+          <a:bodyPr/>
+          <a:lstStyle/>
+          <a:p>
+            <a:r>
+              <a:rPr lang="en-US" dirty="0" smtClean="0"/>
+              <a:t>How well do our tests cover the code?</a:t>
+            </a:r>
+          </a:p>
+          <a:p>
+            <a:r>
+              <a:rPr lang="en-US" dirty="0" smtClean="0"/>
+              <a:t>We will use a </a:t>
+            </a:r>
+            <a:r>
+              <a:rPr lang="en-US" dirty="0" err="1" smtClean="0"/>
+              <a:t>npm</a:t>
+            </a:r>
+            <a:r>
+              <a:rPr lang="en-US" dirty="0" smtClean="0"/>
+              <a:t> tool called </a:t>
+            </a:r>
+            <a:r>
+              <a:rPr lang="en-US" dirty="0" err="1" smtClean="0"/>
+              <a:t>istanbul</a:t>
+            </a:r>
+            <a:endParaRPr lang="en-US" dirty="0" smtClean="0"/>
+          </a:p>
+          <a:p>
+            <a:endParaRPr lang="en-ZA" dirty="0"/>
+          </a:p>
+        </p:txBody>
+      </p:sp>
+    </p:spTree>
+    <p:extLst>
+      <p:ext uri="{BB962C8B-B14F-4D97-AF65-F5344CB8AC3E}">
+        <p14:creationId xmlns:p14="http://schemas.microsoft.com/office/powerpoint/2010/main" val="3082121981"/>
+      </p:ext>
+    </p:extLst>
+  </p:cSld>
+  <p:clrMapOvr>
+    <a:masterClrMapping/>
+  </p:clrMapOvr>
+  <p:timing>
+    <p:tnLst>
+      <p:par>
+        <p:cTn id="1" dur="indefinite" restart="never" nodeType="tmRoot"/>
+      </p:par>
+    </p:tnLst>
+  </p:timing>
+</p:sld>
+</file>
+
+<file path=ppt/slides/slide16.xml><?xml version="1.0" encoding="utf-8"?>
 <p:sld xmlns:a="http://schemas.openxmlformats.org/drawingml/2006/main" xmlns:r="http://schemas.openxmlformats.org/officeDocument/2006/relationships" xmlns:p="http://schemas.openxmlformats.org/presentationml/2006/main">
   <p:cSld>
     <p:spTree>
@@ -8492,151 +8631,13 @@
   <p:clrMapOvr>
     <a:masterClrMapping/>
   </p:clrMapOvr>
-</p:sld>
-</file>
-
-<file path=ppt/slides/slide16.xml><?xml version="1.0" encoding="utf-8"?>
-<p:sld xmlns:a="http://schemas.openxmlformats.org/drawingml/2006/main" xmlns:r="http://schemas.openxmlformats.org/officeDocument/2006/relationships" xmlns:p="http://schemas.openxmlformats.org/presentationml/2006/main">
-  <p:cSld>
-    <p:spTree>
-      <p:nvGrpSpPr>
-        <p:cNvPr id="1" name=""/>
-        <p:cNvGrpSpPr/>
-        <p:nvPr/>
-      </p:nvGrpSpPr>
-      <p:grpSpPr>
-        <a:xfrm>
-          <a:off x="0" y="0"/>
-          <a:ext cx="0" cy="0"/>
-          <a:chOff x="0" y="0"/>
-          <a:chExt cx="0" cy="0"/>
-        </a:xfrm>
-      </p:grpSpPr>
-      <p:sp>
-        <p:nvSpPr>
-          <p:cNvPr id="2" name="Title 1"/>
-          <p:cNvSpPr>
-            <a:spLocks noGrp="1"/>
-          </p:cNvSpPr>
-          <p:nvPr>
-            <p:ph type="title"/>
-          </p:nvPr>
-        </p:nvSpPr>
-        <p:spPr/>
-        <p:txBody>
-          <a:bodyPr/>
-          <a:lstStyle/>
-          <a:p>
-            <a:r>
-              <a:rPr lang="en-US" dirty="0" smtClean="0"/>
-              <a:t>The Course Project</a:t>
-            </a:r>
-            <a:endParaRPr lang="en-ZA" dirty="0"/>
-          </a:p>
-        </p:txBody>
-      </p:sp>
-      <p:sp>
-        <p:nvSpPr>
-          <p:cNvPr id="3" name="Content Placeholder 2"/>
-          <p:cNvSpPr>
-            <a:spLocks noGrp="1"/>
-          </p:cNvSpPr>
-          <p:nvPr>
-            <p:ph idx="1"/>
-          </p:nvPr>
-        </p:nvSpPr>
-        <p:spPr>
-          <a:xfrm>
-            <a:off x="1089457" y="1429464"/>
-            <a:ext cx="8946541" cy="4195481"/>
-          </a:xfrm>
-        </p:spPr>
-        <p:txBody>
-          <a:bodyPr>
-            <a:normAutofit/>
-          </a:bodyPr>
-          <a:lstStyle/>
-          <a:p>
-            <a:r>
-              <a:rPr lang="en-US" dirty="0" smtClean="0"/>
-              <a:t>For this project, you will be building a simple web interface which can scan selected folders for media and store that information in a database</a:t>
-            </a:r>
-          </a:p>
-          <a:p>
-            <a:r>
-              <a:rPr lang="en-US" dirty="0" smtClean="0"/>
-              <a:t>This week take the output of what was made last week and store the data in a </a:t>
-            </a:r>
-            <a:r>
-              <a:rPr lang="en-US" dirty="0" err="1" smtClean="0"/>
-              <a:t>mongodb</a:t>
-            </a:r>
-            <a:r>
-              <a:rPr lang="en-US" dirty="0" smtClean="0"/>
-              <a:t> database.</a:t>
-            </a:r>
-          </a:p>
-          <a:p>
-            <a:r>
-              <a:rPr lang="en-US" dirty="0" smtClean="0"/>
-              <a:t>The program must then print the files in the database to the console.</a:t>
-            </a:r>
-            <a:endParaRPr lang="en-ZA" dirty="0" smtClean="0"/>
-          </a:p>
-          <a:p>
-            <a:r>
-              <a:rPr lang="en-US" dirty="0" smtClean="0"/>
-              <a:t>Some Links</a:t>
-            </a:r>
-          </a:p>
-          <a:p>
-            <a:pPr lvl="1"/>
-            <a:r>
-              <a:rPr lang="en-US" dirty="0">
-                <a:hlinkClick r:id="rId2"/>
-              </a:rPr>
-              <a:t>https://</a:t>
-            </a:r>
-            <a:r>
-              <a:rPr lang="en-US" dirty="0" smtClean="0">
-                <a:hlinkClick r:id="rId2"/>
-              </a:rPr>
-              <a:t>www.npmjs.com/package/readline-sync</a:t>
-            </a:r>
-            <a:endParaRPr lang="en-US" dirty="0" smtClean="0"/>
-          </a:p>
-          <a:p>
-            <a:pPr lvl="1"/>
-            <a:r>
-              <a:rPr lang="en-US" dirty="0">
-                <a:hlinkClick r:id="rId3"/>
-              </a:rPr>
-              <a:t>http://</a:t>
-            </a:r>
-            <a:r>
-              <a:rPr lang="en-US" dirty="0" smtClean="0">
-                <a:hlinkClick r:id="rId3"/>
-              </a:rPr>
-              <a:t>stackoverflow.com/questions/2727167/getting-all-filenames-in-a-directory-with-node-js</a:t>
-            </a:r>
-            <a:endParaRPr lang="en-US" dirty="0" smtClean="0"/>
-          </a:p>
-          <a:p>
-            <a:pPr lvl="1"/>
-            <a:endParaRPr lang="en-US" dirty="0"/>
-          </a:p>
-        </p:txBody>
-      </p:sp>
-    </p:spTree>
-    <p:extLst>
-      <p:ext uri="{BB962C8B-B14F-4D97-AF65-F5344CB8AC3E}">
-        <p14:creationId xmlns:p14="http://schemas.microsoft.com/office/powerpoint/2010/main" val="1568503475"/>
-      </p:ext>
-    </p:extLst>
-  </p:cSld>
-  <p:clrMapOvr>
-    <a:masterClrMapping/>
-  </p:clrMapOvr>
+  <p:timing>
+    <p:tnLst>
+      <p:par>
+        <p:cTn id="1" dur="indefinite" restart="never" nodeType="tmRoot"/>
+      </p:par>
+    </p:tnLst>
+  </p:timing>
 </p:sld>
 </file>
 
@@ -8697,36 +8698,73 @@
           </a:xfrm>
         </p:spPr>
         <p:txBody>
-          <a:bodyPr/>
+          <a:bodyPr>
+            <a:normAutofit/>
+          </a:bodyPr>
           <a:lstStyle/>
           <a:p>
             <a:r>
               <a:rPr lang="en-US" dirty="0" smtClean="0"/>
-              <a:t>Next session we will cover how to build tests which we will incorporate into our program</a:t>
+              <a:t>For this project, you will be building a simple web interface which can scan selected folders for media and store that information in a database</a:t>
             </a:r>
           </a:p>
           <a:p>
             <a:r>
               <a:rPr lang="en-US" dirty="0" smtClean="0"/>
-              <a:t>Make sure to make the program modular</a:t>
-            </a:r>
-          </a:p>
-          <a:p>
+              <a:t>This week take the output of what was made last week and store the data in a </a:t>
+            </a:r>
+            <a:r>
+              <a:rPr lang="en-US" dirty="0" err="1" smtClean="0"/>
+              <a:t>mongodb</a:t>
+            </a:r>
             <a:r>
               <a:rPr lang="en-US" dirty="0" smtClean="0"/>
-              <a:t>We will add a database next session</a:t>
+              <a:t> database.</a:t>
             </a:r>
           </a:p>
           <a:p>
             <a:r>
               <a:rPr lang="en-US" dirty="0" smtClean="0"/>
-              <a:t>We will build an interface at the end of the course</a:t>
-            </a:r>
-          </a:p>
-          <a:p>
+              <a:t>The program must then print the files in the database to the console.</a:t>
+            </a:r>
+            <a:endParaRPr lang="en-ZA" dirty="0" smtClean="0"/>
+          </a:p>
+          <a:p>
+            <a:r>
+              <a:rPr lang="en-US" dirty="0" smtClean="0"/>
+              <a:t>Some Links</a:t>
+            </a:r>
+          </a:p>
+          <a:p>
+            <a:pPr lvl="1"/>
+            <a:r>
+              <a:rPr lang="en-US" dirty="0">
+                <a:hlinkClick r:id="rId2"/>
+              </a:rPr>
+              <a:t>https://</a:t>
+            </a:r>
+            <a:r>
+              <a:rPr lang="en-US" dirty="0" smtClean="0">
+                <a:hlinkClick r:id="rId2"/>
+              </a:rPr>
+              <a:t>www.npmjs.com/package/readline-sync</a:t>
+            </a:r>
             <a:endParaRPr lang="en-US" dirty="0" smtClean="0"/>
           </a:p>
           <a:p>
+            <a:pPr lvl="1"/>
+            <a:r>
+              <a:rPr lang="en-US" dirty="0">
+                <a:hlinkClick r:id="rId3"/>
+              </a:rPr>
+              <a:t>http://</a:t>
+            </a:r>
+            <a:r>
+              <a:rPr lang="en-US" dirty="0" smtClean="0">
+                <a:hlinkClick r:id="rId3"/>
+              </a:rPr>
+              <a:t>stackoverflow.com/questions/2727167/getting-all-filenames-in-a-directory-with-node-js</a:t>
+            </a:r>
             <a:endParaRPr lang="en-US" dirty="0" smtClean="0"/>
           </a:p>
           <a:p>
@@ -8738,13 +8776,20 @@
     </p:spTree>
     <p:extLst>
       <p:ext uri="{BB962C8B-B14F-4D97-AF65-F5344CB8AC3E}">
-        <p14:creationId xmlns:p14="http://schemas.microsoft.com/office/powerpoint/2010/main" val="2182409356"/>
+        <p14:creationId xmlns:p14="http://schemas.microsoft.com/office/powerpoint/2010/main" val="1568503475"/>
       </p:ext>
     </p:extLst>
   </p:cSld>
   <p:clrMapOvr>
     <a:masterClrMapping/>
   </p:clrMapOvr>
+  <p:timing>
+    <p:tnLst>
+      <p:par>
+        <p:cTn id="1" dur="indefinite" restart="never" nodeType="tmRoot"/>
+      </p:par>
+    </p:tnLst>
+  </p:timing>
 </p:sld>
 </file>
 
@@ -9001,6 +9046,13 @@
   <p:clrMapOvr>
     <a:masterClrMapping/>
   </p:clrMapOvr>
+  <p:timing>
+    <p:tnLst>
+      <p:par>
+        <p:cTn id="1" dur="indefinite" restart="never" nodeType="tmRoot"/>
+      </p:par>
+    </p:tnLst>
+  </p:timing>
 </p:sld>
 </file>
 
@@ -9094,6 +9146,13 @@
   <p:clrMapOvr>
     <a:masterClrMapping/>
   </p:clrMapOvr>
+  <p:timing>
+    <p:tnLst>
+      <p:par>
+        <p:cTn id="1" dur="indefinite" restart="never" nodeType="tmRoot"/>
+      </p:par>
+    </p:tnLst>
+  </p:timing>
 </p:sld>
 </file>
 
@@ -9168,27 +9227,21 @@
           </a:p>
           <a:p>
             <a:r>
-              <a:rPr lang="en-ZA">
+              <a:rPr lang="en-ZA" dirty="0">
                 <a:hlinkClick r:id="rId3"/>
               </a:rPr>
-              <a:t>https</a:t>
-            </a:r>
-            <a:r>
-              <a:rPr lang="en-ZA">
-                <a:hlinkClick r:id="rId3"/>
-              </a:rPr>
-              <a:t>://</a:t>
-            </a:r>
-            <a:r>
-              <a:rPr lang="en-ZA" smtClean="0">
+              <a:t>https://</a:t>
+            </a:r>
+            <a:r>
+              <a:rPr lang="en-ZA" dirty="0" smtClean="0">
                 <a:hlinkClick r:id="rId3"/>
               </a:rPr>
               <a:t>robomongo.org/download</a:t>
             </a:r>
-            <a:endParaRPr lang="en-ZA" smtClean="0"/>
-          </a:p>
-          <a:p>
-            <a:endParaRPr lang="en-ZA"/>
+            <a:endParaRPr lang="en-ZA" dirty="0" smtClean="0"/>
+          </a:p>
+          <a:p>
+            <a:endParaRPr lang="en-ZA" dirty="0"/>
           </a:p>
         </p:txBody>
       </p:sp>
@@ -9202,6 +9255,13 @@
   <p:clrMapOvr>
     <a:masterClrMapping/>
   </p:clrMapOvr>
+  <p:timing>
+    <p:tnLst>
+      <p:par>
+        <p:cTn id="1" dur="indefinite" restart="never" nodeType="tmRoot"/>
+      </p:par>
+    </p:tnLst>
+  </p:timing>
 </p:sld>
 </file>
 
@@ -9315,6 +9375,13 @@
   <p:clrMapOvr>
     <a:masterClrMapping/>
   </p:clrMapOvr>
+  <p:timing>
+    <p:tnLst>
+      <p:par>
+        <p:cTn id="1" dur="indefinite" restart="never" nodeType="tmRoot"/>
+      </p:par>
+    </p:tnLst>
+  </p:timing>
 </p:sld>
 </file>
 
@@ -9500,6 +9567,13 @@
   <p:clrMapOvr>
     <a:masterClrMapping/>
   </p:clrMapOvr>
+  <p:timing>
+    <p:tnLst>
+      <p:par>
+        <p:cTn id="1" dur="indefinite" restart="never" nodeType="tmRoot"/>
+      </p:par>
+    </p:tnLst>
+  </p:timing>
 </p:sld>
 </file>
 
@@ -9618,6 +9692,13 @@
   <p:clrMapOvr>
     <a:masterClrMapping/>
   </p:clrMapOvr>
+  <p:timing>
+    <p:tnLst>
+      <p:par>
+        <p:cTn id="1" dur="indefinite" restart="never" nodeType="tmRoot"/>
+      </p:par>
+    </p:tnLst>
+  </p:timing>
 </p:sld>
 </file>
 
@@ -9749,6 +9830,13 @@
   <p:clrMapOvr>
     <a:masterClrMapping/>
   </p:clrMapOvr>
+  <p:timing>
+    <p:tnLst>
+      <p:par>
+        <p:cTn id="1" dur="indefinite" restart="never" nodeType="tmRoot"/>
+      </p:par>
+    </p:tnLst>
+  </p:timing>
 </p:sld>
 </file>
 
@@ -9952,6 +10040,13 @@
   <p:clrMapOvr>
     <a:masterClrMapping/>
   </p:clrMapOvr>
+  <p:timing>
+    <p:tnLst>
+      <p:par>
+        <p:cTn id="1" dur="indefinite" restart="never" nodeType="tmRoot"/>
+      </p:par>
+    </p:tnLst>
+  </p:timing>
 </p:sld>
 </file>
 
